--- a/lectures/lecture1/lecture1.pptx
+++ b/lectures/lecture1/lecture1.pptx
@@ -21,7 +21,7 @@
     <p:sldId id="268" r:id="rId12"/>
   </p:sldIdLst>
   <p:sldSz cx="12192000" cy="6858000"/>
-  <p:notesSz cx="6858000" cy="9144000"/>
+  <p:notesSz cx="7010400" cy="9296400"/>
   <p:defaultTextStyle>
     <a:defPPr>
       <a:defRPr lang="en-US"/>
@@ -128,6 +128,7 @@
 <file path=ppt/revisionInfo.xml><?xml version="1.0" encoding="utf-8"?>
 <p1510:revInfo xmlns:a="http://schemas.openxmlformats.org/drawingml/2006/main" xmlns:r="http://schemas.openxmlformats.org/officeDocument/2006/relationships" xmlns:p1510="http://schemas.microsoft.com/office/powerpoint/2015/10/main">
   <p1510:revLst>
+    <p1510:client id="{37569ED3-DC3B-4185-A6C9-A680BC4FF65E}" v="6" dt="2022-09-07T21:15:33.297"/>
     <p1510:client id="{6885D97D-DF08-492D-8F0D-BFFB0D683B34}" v="5" dt="2022-09-07T06:06:50.461"/>
   </p1510:revLst>
 </p1510:revInfo>
@@ -135,6 +136,67 @@
 
 <file path=ppt/changesInfos/changesInfo1.xml><?xml version="1.0" encoding="utf-8"?>
 <pc:chgInfo xmlns:a="http://schemas.openxmlformats.org/drawingml/2006/main" xmlns:r="http://schemas.openxmlformats.org/officeDocument/2006/relationships" xmlns:ac="http://schemas.microsoft.com/office/drawing/2013/main/command" xmlns:pc="http://schemas.microsoft.com/office/powerpoint/2013/main/command">
+  <pc:docChgLst>
+    <pc:chgData name="Toby Donaldson" userId="2e6e5431-bb17-4c41-9985-d39c50d83c73" providerId="ADAL" clId="{37569ED3-DC3B-4185-A6C9-A680BC4FF65E}"/>
+    <pc:docChg chg="modSld modNotesMaster">
+      <pc:chgData name="Toby Donaldson" userId="2e6e5431-bb17-4c41-9985-d39c50d83c73" providerId="ADAL" clId="{37569ED3-DC3B-4185-A6C9-A680BC4FF65E}" dt="2022-09-07T21:15:33.297" v="39" actId="113"/>
+      <pc:docMkLst>
+        <pc:docMk/>
+      </pc:docMkLst>
+      <pc:sldChg chg="modSp mod">
+        <pc:chgData name="Toby Donaldson" userId="2e6e5431-bb17-4c41-9985-d39c50d83c73" providerId="ADAL" clId="{37569ED3-DC3B-4185-A6C9-A680BC4FF65E}" dt="2022-09-07T21:11:34.030" v="33" actId="20577"/>
+        <pc:sldMkLst>
+          <pc:docMk/>
+          <pc:sldMk cId="2420652743" sldId="257"/>
+        </pc:sldMkLst>
+        <pc:spChg chg="mod">
+          <ac:chgData name="Toby Donaldson" userId="2e6e5431-bb17-4c41-9985-d39c50d83c73" providerId="ADAL" clId="{37569ED3-DC3B-4185-A6C9-A680BC4FF65E}" dt="2022-09-07T21:11:34.030" v="33" actId="20577"/>
+          <ac:spMkLst>
+            <pc:docMk/>
+            <pc:sldMk cId="2420652743" sldId="257"/>
+            <ac:spMk id="5" creationId="{6CBCB94C-6CEE-8F89-2B6D-D8BE63FB4730}"/>
+          </ac:spMkLst>
+        </pc:spChg>
+      </pc:sldChg>
+      <pc:sldChg chg="modSp mod">
+        <pc:chgData name="Toby Donaldson" userId="2e6e5431-bb17-4c41-9985-d39c50d83c73" providerId="ADAL" clId="{37569ED3-DC3B-4185-A6C9-A680BC4FF65E}" dt="2022-09-07T21:13:27.820" v="35" actId="20577"/>
+        <pc:sldMkLst>
+          <pc:docMk/>
+          <pc:sldMk cId="713593680" sldId="261"/>
+        </pc:sldMkLst>
+        <pc:spChg chg="mod">
+          <ac:chgData name="Toby Donaldson" userId="2e6e5431-bb17-4c41-9985-d39c50d83c73" providerId="ADAL" clId="{37569ED3-DC3B-4185-A6C9-A680BC4FF65E}" dt="2022-09-07T21:13:27.820" v="35" actId="20577"/>
+          <ac:spMkLst>
+            <pc:docMk/>
+            <pc:sldMk cId="713593680" sldId="261"/>
+            <ac:spMk id="3" creationId="{750B4E07-1F51-7A75-5ADD-878AD0E7F13F}"/>
+          </ac:spMkLst>
+        </pc:spChg>
+      </pc:sldChg>
+      <pc:sldChg chg="modSp">
+        <pc:chgData name="Toby Donaldson" userId="2e6e5431-bb17-4c41-9985-d39c50d83c73" providerId="ADAL" clId="{37569ED3-DC3B-4185-A6C9-A680BC4FF65E}" dt="2022-09-07T21:15:33.297" v="39" actId="113"/>
+        <pc:sldMkLst>
+          <pc:docMk/>
+          <pc:sldMk cId="2069204258" sldId="270"/>
+        </pc:sldMkLst>
+        <pc:spChg chg="mod">
+          <ac:chgData name="Toby Donaldson" userId="2e6e5431-bb17-4c41-9985-d39c50d83c73" providerId="ADAL" clId="{37569ED3-DC3B-4185-A6C9-A680BC4FF65E}" dt="2022-09-07T21:15:33.297" v="39" actId="113"/>
+          <ac:spMkLst>
+            <pc:docMk/>
+            <pc:sldMk cId="2069204258" sldId="270"/>
+            <ac:spMk id="3" creationId="{1830FAE5-685F-9F19-A59F-F1720B12E9A4}"/>
+          </ac:spMkLst>
+        </pc:spChg>
+      </pc:sldChg>
+      <pc:sldChg chg="modAnim modNotesTx">
+        <pc:chgData name="Toby Donaldson" userId="2e6e5431-bb17-4c41-9985-d39c50d83c73" providerId="ADAL" clId="{37569ED3-DC3B-4185-A6C9-A680BC4FF65E}" dt="2022-09-07T21:11:11.961" v="31"/>
+        <pc:sldMkLst>
+          <pc:docMk/>
+          <pc:sldMk cId="4109251352" sldId="272"/>
+        </pc:sldMkLst>
+      </pc:sldChg>
+    </pc:docChg>
+  </pc:docChgLst>
   <pc:docChgLst>
     <pc:chgData name="Toby Donaldson" userId="2e6e5431-bb17-4c41-9985-d39c50d83c73" providerId="ADAL" clId="{88D16694-74A8-4613-805D-C440C43EEB0B}"/>
     <pc:docChg chg="undo custSel addSld delSld modSld sldOrd">
@@ -1418,14 +1480,14 @@
         <p:spPr>
           <a:xfrm>
             <a:off x="0" y="0"/>
-            <a:ext cx="2971800" cy="458788"/>
+            <a:ext cx="3037840" cy="466434"/>
           </a:xfrm>
           <a:prstGeom prst="rect">
             <a:avLst/>
           </a:prstGeom>
         </p:spPr>
         <p:txBody>
-          <a:bodyPr vert="horz" lIns="91440" tIns="45720" rIns="91440" bIns="45720" rtlCol="0"/>
+          <a:bodyPr vert="horz" lIns="93177" tIns="46589" rIns="93177" bIns="46589" rtlCol="0"/>
           <a:lstStyle>
             <a:lvl1pPr algn="l">
               <a:defRPr sz="1200"/>
@@ -1448,15 +1510,15 @@
         </p:nvSpPr>
         <p:spPr>
           <a:xfrm>
-            <a:off x="3884613" y="0"/>
-            <a:ext cx="2971800" cy="458788"/>
+            <a:off x="3970938" y="0"/>
+            <a:ext cx="3037840" cy="466434"/>
           </a:xfrm>
           <a:prstGeom prst="rect">
             <a:avLst/>
           </a:prstGeom>
         </p:spPr>
         <p:txBody>
-          <a:bodyPr vert="horz" lIns="91440" tIns="45720" rIns="91440" bIns="45720" rtlCol="0"/>
+          <a:bodyPr vert="horz" lIns="93177" tIns="46589" rIns="93177" bIns="46589" rtlCol="0"/>
           <a:lstStyle>
             <a:lvl1pPr algn="r">
               <a:defRPr sz="1200"/>
@@ -1465,7 +1527,7 @@
           <a:p>
             <a:fld id="{A0E10153-954E-4A8F-A722-5AC9ABA3901A}" type="datetimeFigureOut">
               <a:rPr lang="en-AU" smtClean="0"/>
-              <a:t>6/09/2022</a:t>
+              <a:t>7/09/2022</a:t>
             </a:fld>
             <a:endParaRPr lang="en-AU"/>
           </a:p>
@@ -1483,8 +1545,8 @@
         </p:nvSpPr>
         <p:spPr>
           <a:xfrm>
-            <a:off x="685800" y="1143000"/>
-            <a:ext cx="5486400" cy="3086100"/>
+            <a:off x="717550" y="1162050"/>
+            <a:ext cx="5575300" cy="3136900"/>
           </a:xfrm>
           <a:prstGeom prst="rect">
             <a:avLst/>
@@ -1497,7 +1559,7 @@
           </a:ln>
         </p:spPr>
         <p:txBody>
-          <a:bodyPr vert="horz" lIns="91440" tIns="45720" rIns="91440" bIns="45720" rtlCol="0" anchor="ctr"/>
+          <a:bodyPr vert="horz" lIns="93177" tIns="46589" rIns="93177" bIns="46589" rtlCol="0" anchor="ctr"/>
           <a:lstStyle/>
           <a:p>
             <a:endParaRPr lang="en-AU"/>
@@ -1516,15 +1578,15 @@
         </p:nvSpPr>
         <p:spPr>
           <a:xfrm>
-            <a:off x="685800" y="4400550"/>
-            <a:ext cx="5486400" cy="3600450"/>
+            <a:off x="701040" y="4473892"/>
+            <a:ext cx="5608320" cy="3660458"/>
           </a:xfrm>
           <a:prstGeom prst="rect">
             <a:avLst/>
           </a:prstGeom>
         </p:spPr>
         <p:txBody>
-          <a:bodyPr vert="horz" lIns="91440" tIns="45720" rIns="91440" bIns="45720" rtlCol="0"/>
+          <a:bodyPr vert="horz" lIns="93177" tIns="46589" rIns="93177" bIns="46589" rtlCol="0"/>
           <a:lstStyle/>
           <a:p>
             <a:pPr lvl="0"/>
@@ -1576,15 +1638,15 @@
         </p:nvSpPr>
         <p:spPr>
           <a:xfrm>
-            <a:off x="0" y="8685213"/>
-            <a:ext cx="2971800" cy="458787"/>
+            <a:off x="0" y="8829967"/>
+            <a:ext cx="3037840" cy="466433"/>
           </a:xfrm>
           <a:prstGeom prst="rect">
             <a:avLst/>
           </a:prstGeom>
         </p:spPr>
         <p:txBody>
-          <a:bodyPr vert="horz" lIns="91440" tIns="45720" rIns="91440" bIns="45720" rtlCol="0" anchor="b"/>
+          <a:bodyPr vert="horz" lIns="93177" tIns="46589" rIns="93177" bIns="46589" rtlCol="0" anchor="b"/>
           <a:lstStyle>
             <a:lvl1pPr algn="l">
               <a:defRPr sz="1200"/>
@@ -1607,15 +1669,15 @@
         </p:nvSpPr>
         <p:spPr>
           <a:xfrm>
-            <a:off x="3884613" y="8685213"/>
-            <a:ext cx="2971800" cy="458787"/>
+            <a:off x="3970938" y="8829967"/>
+            <a:ext cx="3037840" cy="466433"/>
           </a:xfrm>
           <a:prstGeom prst="rect">
             <a:avLst/>
           </a:prstGeom>
         </p:spPr>
         <p:txBody>
-          <a:bodyPr vert="horz" lIns="91440" tIns="45720" rIns="91440" bIns="45720" rtlCol="0" anchor="b"/>
+          <a:bodyPr vert="horz" lIns="93177" tIns="46589" rIns="93177" bIns="46589" rtlCol="0" anchor="b"/>
           <a:lstStyle>
             <a:lvl1pPr algn="r">
               <a:defRPr sz="1200"/>
@@ -1783,7 +1845,7 @@
             </a:r>
           </a:p>
           <a:p>
-            <a:pPr marL="171450" indent="-171450">
+            <a:pPr marL="174708" indent="-174708">
               <a:buFontTx/>
               <a:buChar char="-"/>
             </a:pPr>
@@ -1793,7 +1855,7 @@
             </a:r>
           </a:p>
           <a:p>
-            <a:pPr marL="171450" indent="-171450">
+            <a:pPr marL="174708" indent="-174708">
               <a:buFontTx/>
               <a:buChar char="-"/>
             </a:pPr>
@@ -1803,7 +1865,7 @@
             </a:r>
           </a:p>
           <a:p>
-            <a:pPr marL="171450" indent="-171450">
+            <a:pPr marL="174708" indent="-174708">
               <a:buFontTx/>
               <a:buChar char="-"/>
             </a:pPr>
@@ -1813,7 +1875,7 @@
             </a:r>
           </a:p>
           <a:p>
-            <a:pPr marL="171450" indent="-171450">
+            <a:pPr marL="174708" indent="-174708">
               <a:buFontTx/>
               <a:buChar char="-"/>
             </a:pPr>
@@ -1823,17 +1885,13 @@
             </a:r>
           </a:p>
           <a:p>
-            <a:pPr marL="0" indent="0">
-              <a:buFontTx/>
-              <a:buNone/>
-            </a:pPr>
             <a:r>
               <a:rPr lang="en-CA" dirty="0"/>
               <a:t>Points to ponder:</a:t>
             </a:r>
           </a:p>
           <a:p>
-            <a:pPr marL="171450" indent="-171450">
+            <a:pPr marL="174708" indent="-174708">
               <a:buFontTx/>
               <a:buChar char="-"/>
             </a:pPr>
@@ -1843,7 +1901,7 @@
             </a:r>
           </a:p>
           <a:p>
-            <a:pPr marL="171450" indent="-171450">
+            <a:pPr marL="174708" indent="-174708">
               <a:buFontTx/>
               <a:buChar char="-"/>
             </a:pPr>
@@ -1853,7 +1911,7 @@
             </a:r>
           </a:p>
           <a:p>
-            <a:pPr marL="171450" indent="-171450">
+            <a:pPr marL="174708" indent="-174708">
               <a:buFontTx/>
               <a:buChar char="-"/>
             </a:pPr>
@@ -1863,7 +1921,7 @@
             </a:r>
           </a:p>
           <a:p>
-            <a:pPr marL="171450" indent="-171450">
+            <a:pPr marL="174708" indent="-174708">
               <a:buFontTx/>
               <a:buChar char="-"/>
             </a:pPr>
@@ -1901,6 +1959,174 @@
     <p:extLst>
       <p:ext uri="{BB962C8B-B14F-4D97-AF65-F5344CB8AC3E}">
         <p14:creationId xmlns:p14="http://schemas.microsoft.com/office/powerpoint/2010/main" val="1177949528"/>
+      </p:ext>
+    </p:extLst>
+  </p:cSld>
+  <p:clrMapOvr>
+    <a:masterClrMapping/>
+  </p:clrMapOvr>
+</p:notes>
+</file>
+
+<file path=ppt/notesSlides/notesSlide10.xml><?xml version="1.0" encoding="utf-8"?>
+<p:notes xmlns:a="http://schemas.openxmlformats.org/drawingml/2006/main" xmlns:r="http://schemas.openxmlformats.org/officeDocument/2006/relationships" xmlns:p="http://schemas.openxmlformats.org/presentationml/2006/main">
+  <p:cSld>
+    <p:spTree>
+      <p:nvGrpSpPr>
+        <p:cNvPr id="1" name=""/>
+        <p:cNvGrpSpPr/>
+        <p:nvPr/>
+      </p:nvGrpSpPr>
+      <p:grpSpPr>
+        <a:xfrm>
+          <a:off x="0" y="0"/>
+          <a:ext cx="0" cy="0"/>
+          <a:chOff x="0" y="0"/>
+          <a:chExt cx="0" cy="0"/>
+        </a:xfrm>
+      </p:grpSpPr>
+      <p:sp>
+        <p:nvSpPr>
+          <p:cNvPr id="2" name="Slide Image Placeholder 1"/>
+          <p:cNvSpPr>
+            <a:spLocks noGrp="1" noRot="1" noChangeAspect="1"/>
+          </p:cNvSpPr>
+          <p:nvPr>
+            <p:ph type="sldImg"/>
+          </p:nvPr>
+        </p:nvSpPr>
+        <p:spPr/>
+      </p:sp>
+      <p:sp>
+        <p:nvSpPr>
+          <p:cNvPr id="3" name="Notes Placeholder 2"/>
+          <p:cNvSpPr>
+            <a:spLocks noGrp="1"/>
+          </p:cNvSpPr>
+          <p:nvPr>
+            <p:ph type="body" idx="1"/>
+          </p:nvPr>
+        </p:nvSpPr>
+        <p:spPr/>
+        <p:txBody>
+          <a:bodyPr/>
+          <a:lstStyle/>
+          <a:p>
+            <a:endParaRPr lang="en-CA"/>
+          </a:p>
+        </p:txBody>
+      </p:sp>
+      <p:sp>
+        <p:nvSpPr>
+          <p:cNvPr id="4" name="Slide Number Placeholder 3"/>
+          <p:cNvSpPr>
+            <a:spLocks noGrp="1"/>
+          </p:cNvSpPr>
+          <p:nvPr>
+            <p:ph type="sldNum" sz="quarter" idx="5"/>
+          </p:nvPr>
+        </p:nvSpPr>
+        <p:spPr/>
+        <p:txBody>
+          <a:bodyPr/>
+          <a:lstStyle/>
+          <a:p>
+            <a:fld id="{74E5F7A9-63B9-4E24-B438-D1C829BA587E}" type="slidenum">
+              <a:rPr lang="en-AU" smtClean="0"/>
+              <a:t>10</a:t>
+            </a:fld>
+            <a:endParaRPr lang="en-AU"/>
+          </a:p>
+        </p:txBody>
+      </p:sp>
+    </p:spTree>
+    <p:extLst>
+      <p:ext uri="{BB962C8B-B14F-4D97-AF65-F5344CB8AC3E}">
+        <p14:creationId xmlns:p14="http://schemas.microsoft.com/office/powerpoint/2010/main" val="12666172"/>
+      </p:ext>
+    </p:extLst>
+  </p:cSld>
+  <p:clrMapOvr>
+    <a:masterClrMapping/>
+  </p:clrMapOvr>
+</p:notes>
+</file>
+
+<file path=ppt/notesSlides/notesSlide11.xml><?xml version="1.0" encoding="utf-8"?>
+<p:notes xmlns:a="http://schemas.openxmlformats.org/drawingml/2006/main" xmlns:r="http://schemas.openxmlformats.org/officeDocument/2006/relationships" xmlns:p="http://schemas.openxmlformats.org/presentationml/2006/main">
+  <p:cSld>
+    <p:spTree>
+      <p:nvGrpSpPr>
+        <p:cNvPr id="1" name=""/>
+        <p:cNvGrpSpPr/>
+        <p:nvPr/>
+      </p:nvGrpSpPr>
+      <p:grpSpPr>
+        <a:xfrm>
+          <a:off x="0" y="0"/>
+          <a:ext cx="0" cy="0"/>
+          <a:chOff x="0" y="0"/>
+          <a:chExt cx="0" cy="0"/>
+        </a:xfrm>
+      </p:grpSpPr>
+      <p:sp>
+        <p:nvSpPr>
+          <p:cNvPr id="2" name="Slide Image Placeholder 1"/>
+          <p:cNvSpPr>
+            <a:spLocks noGrp="1" noRot="1" noChangeAspect="1"/>
+          </p:cNvSpPr>
+          <p:nvPr>
+            <p:ph type="sldImg"/>
+          </p:nvPr>
+        </p:nvSpPr>
+        <p:spPr/>
+      </p:sp>
+      <p:sp>
+        <p:nvSpPr>
+          <p:cNvPr id="3" name="Notes Placeholder 2"/>
+          <p:cNvSpPr>
+            <a:spLocks noGrp="1"/>
+          </p:cNvSpPr>
+          <p:nvPr>
+            <p:ph type="body" idx="1"/>
+          </p:nvPr>
+        </p:nvSpPr>
+        <p:spPr/>
+        <p:txBody>
+          <a:bodyPr/>
+          <a:lstStyle/>
+          <a:p>
+            <a:endParaRPr lang="en-CA"/>
+          </a:p>
+        </p:txBody>
+      </p:sp>
+      <p:sp>
+        <p:nvSpPr>
+          <p:cNvPr id="4" name="Slide Number Placeholder 3"/>
+          <p:cNvSpPr>
+            <a:spLocks noGrp="1"/>
+          </p:cNvSpPr>
+          <p:nvPr>
+            <p:ph type="sldNum" sz="quarter" idx="5"/>
+          </p:nvPr>
+        </p:nvSpPr>
+        <p:spPr/>
+        <p:txBody>
+          <a:bodyPr/>
+          <a:lstStyle/>
+          <a:p>
+            <a:fld id="{74E5F7A9-63B9-4E24-B438-D1C829BA587E}" type="slidenum">
+              <a:rPr lang="en-AU" smtClean="0"/>
+              <a:t>11</a:t>
+            </a:fld>
+            <a:endParaRPr lang="en-AU"/>
+          </a:p>
+        </p:txBody>
+      </p:sp>
+    </p:spTree>
+    <p:extLst>
+      <p:ext uri="{BB962C8B-B14F-4D97-AF65-F5344CB8AC3E}">
+        <p14:creationId xmlns:p14="http://schemas.microsoft.com/office/powerpoint/2010/main" val="4011615005"/>
       </p:ext>
     </p:extLst>
   </p:cSld>
@@ -1960,17 +2186,17 @@
             </a:r>
           </a:p>
           <a:p>
-            <a:pPr marL="171450" indent="-171450">
+            <a:pPr marL="174708" indent="-174708">
               <a:buFontTx/>
               <a:buChar char="-"/>
             </a:pPr>
             <a:r>
               <a:rPr lang="en-CA" dirty="0"/>
-              <a:t>It’s huge --- it takes up a whole room. But less hardware than the previous picture.</a:t>
-            </a:r>
-          </a:p>
-          <a:p>
-            <a:pPr marL="171450" indent="-171450">
+              <a:t>It’s huge --- it takes up a whole room. But a smaller room and less hardware than the previous picture.</a:t>
+            </a:r>
+          </a:p>
+          <a:p>
+            <a:pPr marL="174708" indent="-174708">
               <a:buFontTx/>
               <a:buChar char="-"/>
             </a:pPr>
@@ -1980,17 +2206,17 @@
             </a:r>
           </a:p>
           <a:p>
-            <a:pPr marL="171450" indent="-171450">
+            <a:pPr marL="174708" indent="-174708">
               <a:buFontTx/>
               <a:buChar char="-"/>
             </a:pPr>
             <a:r>
               <a:rPr lang="en-CA" dirty="0"/>
-              <a:t>You can see some of the vacuum tubes on top.</a:t>
-            </a:r>
-          </a:p>
-          <a:p>
-            <a:pPr marL="171450" indent="-171450">
+              <a:t>You can see some of the vacuum tubes on the top left.</a:t>
+            </a:r>
+          </a:p>
+          <a:p>
+            <a:pPr marL="174708" indent="-174708">
               <a:buFontTx/>
               <a:buChar char="-"/>
             </a:pPr>
@@ -2028,6 +2254,594 @@
     <p:extLst>
       <p:ext uri="{BB962C8B-B14F-4D97-AF65-F5344CB8AC3E}">
         <p14:creationId xmlns:p14="http://schemas.microsoft.com/office/powerpoint/2010/main" val="3975701876"/>
+      </p:ext>
+    </p:extLst>
+  </p:cSld>
+  <p:clrMapOvr>
+    <a:masterClrMapping/>
+  </p:clrMapOvr>
+</p:notes>
+</file>
+
+<file path=ppt/notesSlides/notesSlide3.xml><?xml version="1.0" encoding="utf-8"?>
+<p:notes xmlns:a="http://schemas.openxmlformats.org/drawingml/2006/main" xmlns:r="http://schemas.openxmlformats.org/officeDocument/2006/relationships" xmlns:p="http://schemas.openxmlformats.org/presentationml/2006/main">
+  <p:cSld>
+    <p:spTree>
+      <p:nvGrpSpPr>
+        <p:cNvPr id="1" name=""/>
+        <p:cNvGrpSpPr/>
+        <p:nvPr/>
+      </p:nvGrpSpPr>
+      <p:grpSpPr>
+        <a:xfrm>
+          <a:off x="0" y="0"/>
+          <a:ext cx="0" cy="0"/>
+          <a:chOff x="0" y="0"/>
+          <a:chExt cx="0" cy="0"/>
+        </a:xfrm>
+      </p:grpSpPr>
+      <p:sp>
+        <p:nvSpPr>
+          <p:cNvPr id="2" name="Slide Image Placeholder 1"/>
+          <p:cNvSpPr>
+            <a:spLocks noGrp="1" noRot="1" noChangeAspect="1"/>
+          </p:cNvSpPr>
+          <p:nvPr>
+            <p:ph type="sldImg"/>
+          </p:nvPr>
+        </p:nvSpPr>
+        <p:spPr/>
+      </p:sp>
+      <p:sp>
+        <p:nvSpPr>
+          <p:cNvPr id="3" name="Notes Placeholder 2"/>
+          <p:cNvSpPr>
+            <a:spLocks noGrp="1"/>
+          </p:cNvSpPr>
+          <p:nvPr>
+            <p:ph type="body" idx="1"/>
+          </p:nvPr>
+        </p:nvSpPr>
+        <p:spPr/>
+        <p:txBody>
+          <a:bodyPr/>
+          <a:lstStyle/>
+          <a:p>
+            <a:endParaRPr lang="en-CA" dirty="0"/>
+          </a:p>
+        </p:txBody>
+      </p:sp>
+      <p:sp>
+        <p:nvSpPr>
+          <p:cNvPr id="4" name="Slide Number Placeholder 3"/>
+          <p:cNvSpPr>
+            <a:spLocks noGrp="1"/>
+          </p:cNvSpPr>
+          <p:nvPr>
+            <p:ph type="sldNum" sz="quarter" idx="5"/>
+          </p:nvPr>
+        </p:nvSpPr>
+        <p:spPr/>
+        <p:txBody>
+          <a:bodyPr/>
+          <a:lstStyle/>
+          <a:p>
+            <a:fld id="{74E5F7A9-63B9-4E24-B438-D1C829BA587E}" type="slidenum">
+              <a:rPr lang="en-AU" smtClean="0"/>
+              <a:t>3</a:t>
+            </a:fld>
+            <a:endParaRPr lang="en-AU"/>
+          </a:p>
+        </p:txBody>
+      </p:sp>
+    </p:spTree>
+    <p:extLst>
+      <p:ext uri="{BB962C8B-B14F-4D97-AF65-F5344CB8AC3E}">
+        <p14:creationId xmlns:p14="http://schemas.microsoft.com/office/powerpoint/2010/main" val="3986572097"/>
+      </p:ext>
+    </p:extLst>
+  </p:cSld>
+  <p:clrMapOvr>
+    <a:masterClrMapping/>
+  </p:clrMapOvr>
+</p:notes>
+</file>
+
+<file path=ppt/notesSlides/notesSlide4.xml><?xml version="1.0" encoding="utf-8"?>
+<p:notes xmlns:a="http://schemas.openxmlformats.org/drawingml/2006/main" xmlns:r="http://schemas.openxmlformats.org/officeDocument/2006/relationships" xmlns:p="http://schemas.openxmlformats.org/presentationml/2006/main">
+  <p:cSld>
+    <p:spTree>
+      <p:nvGrpSpPr>
+        <p:cNvPr id="1" name=""/>
+        <p:cNvGrpSpPr/>
+        <p:nvPr/>
+      </p:nvGrpSpPr>
+      <p:grpSpPr>
+        <a:xfrm>
+          <a:off x="0" y="0"/>
+          <a:ext cx="0" cy="0"/>
+          <a:chOff x="0" y="0"/>
+          <a:chExt cx="0" cy="0"/>
+        </a:xfrm>
+      </p:grpSpPr>
+      <p:sp>
+        <p:nvSpPr>
+          <p:cNvPr id="2" name="Slide Image Placeholder 1"/>
+          <p:cNvSpPr>
+            <a:spLocks noGrp="1" noRot="1" noChangeAspect="1"/>
+          </p:cNvSpPr>
+          <p:nvPr>
+            <p:ph type="sldImg"/>
+          </p:nvPr>
+        </p:nvSpPr>
+        <p:spPr/>
+      </p:sp>
+      <p:sp>
+        <p:nvSpPr>
+          <p:cNvPr id="3" name="Notes Placeholder 2"/>
+          <p:cNvSpPr>
+            <a:spLocks noGrp="1"/>
+          </p:cNvSpPr>
+          <p:nvPr>
+            <p:ph type="body" idx="1"/>
+          </p:nvPr>
+        </p:nvSpPr>
+        <p:spPr/>
+        <p:txBody>
+          <a:bodyPr/>
+          <a:lstStyle/>
+          <a:p>
+            <a:endParaRPr lang="en-CA"/>
+          </a:p>
+        </p:txBody>
+      </p:sp>
+      <p:sp>
+        <p:nvSpPr>
+          <p:cNvPr id="4" name="Slide Number Placeholder 3"/>
+          <p:cNvSpPr>
+            <a:spLocks noGrp="1"/>
+          </p:cNvSpPr>
+          <p:nvPr>
+            <p:ph type="sldNum" sz="quarter" idx="5"/>
+          </p:nvPr>
+        </p:nvSpPr>
+        <p:spPr/>
+        <p:txBody>
+          <a:bodyPr/>
+          <a:lstStyle/>
+          <a:p>
+            <a:fld id="{74E5F7A9-63B9-4E24-B438-D1C829BA587E}" type="slidenum">
+              <a:rPr lang="en-AU" smtClean="0"/>
+              <a:t>4</a:t>
+            </a:fld>
+            <a:endParaRPr lang="en-AU"/>
+          </a:p>
+        </p:txBody>
+      </p:sp>
+    </p:spTree>
+    <p:extLst>
+      <p:ext uri="{BB962C8B-B14F-4D97-AF65-F5344CB8AC3E}">
+        <p14:creationId xmlns:p14="http://schemas.microsoft.com/office/powerpoint/2010/main" val="3125523487"/>
+      </p:ext>
+    </p:extLst>
+  </p:cSld>
+  <p:clrMapOvr>
+    <a:masterClrMapping/>
+  </p:clrMapOvr>
+</p:notes>
+</file>
+
+<file path=ppt/notesSlides/notesSlide5.xml><?xml version="1.0" encoding="utf-8"?>
+<p:notes xmlns:a="http://schemas.openxmlformats.org/drawingml/2006/main" xmlns:r="http://schemas.openxmlformats.org/officeDocument/2006/relationships" xmlns:p="http://schemas.openxmlformats.org/presentationml/2006/main">
+  <p:cSld>
+    <p:spTree>
+      <p:nvGrpSpPr>
+        <p:cNvPr id="1" name=""/>
+        <p:cNvGrpSpPr/>
+        <p:nvPr/>
+      </p:nvGrpSpPr>
+      <p:grpSpPr>
+        <a:xfrm>
+          <a:off x="0" y="0"/>
+          <a:ext cx="0" cy="0"/>
+          <a:chOff x="0" y="0"/>
+          <a:chExt cx="0" cy="0"/>
+        </a:xfrm>
+      </p:grpSpPr>
+      <p:sp>
+        <p:nvSpPr>
+          <p:cNvPr id="2" name="Slide Image Placeholder 1"/>
+          <p:cNvSpPr>
+            <a:spLocks noGrp="1" noRot="1" noChangeAspect="1"/>
+          </p:cNvSpPr>
+          <p:nvPr>
+            <p:ph type="sldImg"/>
+          </p:nvPr>
+        </p:nvSpPr>
+        <p:spPr/>
+      </p:sp>
+      <p:sp>
+        <p:nvSpPr>
+          <p:cNvPr id="3" name="Notes Placeholder 2"/>
+          <p:cNvSpPr>
+            <a:spLocks noGrp="1"/>
+          </p:cNvSpPr>
+          <p:nvPr>
+            <p:ph type="body" idx="1"/>
+          </p:nvPr>
+        </p:nvSpPr>
+        <p:spPr/>
+        <p:txBody>
+          <a:bodyPr/>
+          <a:lstStyle/>
+          <a:p>
+            <a:endParaRPr lang="en-CA"/>
+          </a:p>
+        </p:txBody>
+      </p:sp>
+      <p:sp>
+        <p:nvSpPr>
+          <p:cNvPr id="4" name="Slide Number Placeholder 3"/>
+          <p:cNvSpPr>
+            <a:spLocks noGrp="1"/>
+          </p:cNvSpPr>
+          <p:nvPr>
+            <p:ph type="sldNum" sz="quarter" idx="5"/>
+          </p:nvPr>
+        </p:nvSpPr>
+        <p:spPr/>
+        <p:txBody>
+          <a:bodyPr/>
+          <a:lstStyle/>
+          <a:p>
+            <a:fld id="{74E5F7A9-63B9-4E24-B438-D1C829BA587E}" type="slidenum">
+              <a:rPr lang="en-AU" smtClean="0"/>
+              <a:t>5</a:t>
+            </a:fld>
+            <a:endParaRPr lang="en-AU"/>
+          </a:p>
+        </p:txBody>
+      </p:sp>
+    </p:spTree>
+    <p:extLst>
+      <p:ext uri="{BB962C8B-B14F-4D97-AF65-F5344CB8AC3E}">
+        <p14:creationId xmlns:p14="http://schemas.microsoft.com/office/powerpoint/2010/main" val="4096780625"/>
+      </p:ext>
+    </p:extLst>
+  </p:cSld>
+  <p:clrMapOvr>
+    <a:masterClrMapping/>
+  </p:clrMapOvr>
+</p:notes>
+</file>
+
+<file path=ppt/notesSlides/notesSlide6.xml><?xml version="1.0" encoding="utf-8"?>
+<p:notes xmlns:a="http://schemas.openxmlformats.org/drawingml/2006/main" xmlns:r="http://schemas.openxmlformats.org/officeDocument/2006/relationships" xmlns:p="http://schemas.openxmlformats.org/presentationml/2006/main">
+  <p:cSld>
+    <p:spTree>
+      <p:nvGrpSpPr>
+        <p:cNvPr id="1" name=""/>
+        <p:cNvGrpSpPr/>
+        <p:nvPr/>
+      </p:nvGrpSpPr>
+      <p:grpSpPr>
+        <a:xfrm>
+          <a:off x="0" y="0"/>
+          <a:ext cx="0" cy="0"/>
+          <a:chOff x="0" y="0"/>
+          <a:chExt cx="0" cy="0"/>
+        </a:xfrm>
+      </p:grpSpPr>
+      <p:sp>
+        <p:nvSpPr>
+          <p:cNvPr id="2" name="Slide Image Placeholder 1"/>
+          <p:cNvSpPr>
+            <a:spLocks noGrp="1" noRot="1" noChangeAspect="1"/>
+          </p:cNvSpPr>
+          <p:nvPr>
+            <p:ph type="sldImg"/>
+          </p:nvPr>
+        </p:nvSpPr>
+        <p:spPr/>
+      </p:sp>
+      <p:sp>
+        <p:nvSpPr>
+          <p:cNvPr id="3" name="Notes Placeholder 2"/>
+          <p:cNvSpPr>
+            <a:spLocks noGrp="1"/>
+          </p:cNvSpPr>
+          <p:nvPr>
+            <p:ph type="body" idx="1"/>
+          </p:nvPr>
+        </p:nvSpPr>
+        <p:spPr/>
+        <p:txBody>
+          <a:bodyPr/>
+          <a:lstStyle/>
+          <a:p>
+            <a:endParaRPr lang="en-CA"/>
+          </a:p>
+        </p:txBody>
+      </p:sp>
+      <p:sp>
+        <p:nvSpPr>
+          <p:cNvPr id="4" name="Slide Number Placeholder 3"/>
+          <p:cNvSpPr>
+            <a:spLocks noGrp="1"/>
+          </p:cNvSpPr>
+          <p:nvPr>
+            <p:ph type="sldNum" sz="quarter" idx="5"/>
+          </p:nvPr>
+        </p:nvSpPr>
+        <p:spPr/>
+        <p:txBody>
+          <a:bodyPr/>
+          <a:lstStyle/>
+          <a:p>
+            <a:fld id="{74E5F7A9-63B9-4E24-B438-D1C829BA587E}" type="slidenum">
+              <a:rPr lang="en-AU" smtClean="0"/>
+              <a:t>6</a:t>
+            </a:fld>
+            <a:endParaRPr lang="en-AU"/>
+          </a:p>
+        </p:txBody>
+      </p:sp>
+    </p:spTree>
+    <p:extLst>
+      <p:ext uri="{BB962C8B-B14F-4D97-AF65-F5344CB8AC3E}">
+        <p14:creationId xmlns:p14="http://schemas.microsoft.com/office/powerpoint/2010/main" val="2767781175"/>
+      </p:ext>
+    </p:extLst>
+  </p:cSld>
+  <p:clrMapOvr>
+    <a:masterClrMapping/>
+  </p:clrMapOvr>
+</p:notes>
+</file>
+
+<file path=ppt/notesSlides/notesSlide7.xml><?xml version="1.0" encoding="utf-8"?>
+<p:notes xmlns:a="http://schemas.openxmlformats.org/drawingml/2006/main" xmlns:r="http://schemas.openxmlformats.org/officeDocument/2006/relationships" xmlns:p="http://schemas.openxmlformats.org/presentationml/2006/main">
+  <p:cSld>
+    <p:spTree>
+      <p:nvGrpSpPr>
+        <p:cNvPr id="1" name=""/>
+        <p:cNvGrpSpPr/>
+        <p:nvPr/>
+      </p:nvGrpSpPr>
+      <p:grpSpPr>
+        <a:xfrm>
+          <a:off x="0" y="0"/>
+          <a:ext cx="0" cy="0"/>
+          <a:chOff x="0" y="0"/>
+          <a:chExt cx="0" cy="0"/>
+        </a:xfrm>
+      </p:grpSpPr>
+      <p:sp>
+        <p:nvSpPr>
+          <p:cNvPr id="2" name="Slide Image Placeholder 1"/>
+          <p:cNvSpPr>
+            <a:spLocks noGrp="1" noRot="1" noChangeAspect="1"/>
+          </p:cNvSpPr>
+          <p:nvPr>
+            <p:ph type="sldImg"/>
+          </p:nvPr>
+        </p:nvSpPr>
+        <p:spPr/>
+      </p:sp>
+      <p:sp>
+        <p:nvSpPr>
+          <p:cNvPr id="3" name="Notes Placeholder 2"/>
+          <p:cNvSpPr>
+            <a:spLocks noGrp="1"/>
+          </p:cNvSpPr>
+          <p:nvPr>
+            <p:ph type="body" idx="1"/>
+          </p:nvPr>
+        </p:nvSpPr>
+        <p:spPr/>
+        <p:txBody>
+          <a:bodyPr/>
+          <a:lstStyle/>
+          <a:p>
+            <a:endParaRPr lang="en-CA"/>
+          </a:p>
+        </p:txBody>
+      </p:sp>
+      <p:sp>
+        <p:nvSpPr>
+          <p:cNvPr id="4" name="Slide Number Placeholder 3"/>
+          <p:cNvSpPr>
+            <a:spLocks noGrp="1"/>
+          </p:cNvSpPr>
+          <p:nvPr>
+            <p:ph type="sldNum" sz="quarter" idx="5"/>
+          </p:nvPr>
+        </p:nvSpPr>
+        <p:spPr/>
+        <p:txBody>
+          <a:bodyPr/>
+          <a:lstStyle/>
+          <a:p>
+            <a:fld id="{74E5F7A9-63B9-4E24-B438-D1C829BA587E}" type="slidenum">
+              <a:rPr lang="en-AU" smtClean="0"/>
+              <a:t>7</a:t>
+            </a:fld>
+            <a:endParaRPr lang="en-AU"/>
+          </a:p>
+        </p:txBody>
+      </p:sp>
+    </p:spTree>
+    <p:extLst>
+      <p:ext uri="{BB962C8B-B14F-4D97-AF65-F5344CB8AC3E}">
+        <p14:creationId xmlns:p14="http://schemas.microsoft.com/office/powerpoint/2010/main" val="402577264"/>
+      </p:ext>
+    </p:extLst>
+  </p:cSld>
+  <p:clrMapOvr>
+    <a:masterClrMapping/>
+  </p:clrMapOvr>
+</p:notes>
+</file>
+
+<file path=ppt/notesSlides/notesSlide8.xml><?xml version="1.0" encoding="utf-8"?>
+<p:notes xmlns:a="http://schemas.openxmlformats.org/drawingml/2006/main" xmlns:r="http://schemas.openxmlformats.org/officeDocument/2006/relationships" xmlns:p="http://schemas.openxmlformats.org/presentationml/2006/main">
+  <p:cSld>
+    <p:spTree>
+      <p:nvGrpSpPr>
+        <p:cNvPr id="1" name=""/>
+        <p:cNvGrpSpPr/>
+        <p:nvPr/>
+      </p:nvGrpSpPr>
+      <p:grpSpPr>
+        <a:xfrm>
+          <a:off x="0" y="0"/>
+          <a:ext cx="0" cy="0"/>
+          <a:chOff x="0" y="0"/>
+          <a:chExt cx="0" cy="0"/>
+        </a:xfrm>
+      </p:grpSpPr>
+      <p:sp>
+        <p:nvSpPr>
+          <p:cNvPr id="2" name="Slide Image Placeholder 1"/>
+          <p:cNvSpPr>
+            <a:spLocks noGrp="1" noRot="1" noChangeAspect="1"/>
+          </p:cNvSpPr>
+          <p:nvPr>
+            <p:ph type="sldImg"/>
+          </p:nvPr>
+        </p:nvSpPr>
+        <p:spPr/>
+      </p:sp>
+      <p:sp>
+        <p:nvSpPr>
+          <p:cNvPr id="3" name="Notes Placeholder 2"/>
+          <p:cNvSpPr>
+            <a:spLocks noGrp="1"/>
+          </p:cNvSpPr>
+          <p:nvPr>
+            <p:ph type="body" idx="1"/>
+          </p:nvPr>
+        </p:nvSpPr>
+        <p:spPr/>
+        <p:txBody>
+          <a:bodyPr/>
+          <a:lstStyle/>
+          <a:p>
+            <a:endParaRPr lang="en-CA"/>
+          </a:p>
+        </p:txBody>
+      </p:sp>
+      <p:sp>
+        <p:nvSpPr>
+          <p:cNvPr id="4" name="Slide Number Placeholder 3"/>
+          <p:cNvSpPr>
+            <a:spLocks noGrp="1"/>
+          </p:cNvSpPr>
+          <p:nvPr>
+            <p:ph type="sldNum" sz="quarter" idx="5"/>
+          </p:nvPr>
+        </p:nvSpPr>
+        <p:spPr/>
+        <p:txBody>
+          <a:bodyPr/>
+          <a:lstStyle/>
+          <a:p>
+            <a:fld id="{74E5F7A9-63B9-4E24-B438-D1C829BA587E}" type="slidenum">
+              <a:rPr lang="en-AU" smtClean="0"/>
+              <a:t>8</a:t>
+            </a:fld>
+            <a:endParaRPr lang="en-AU"/>
+          </a:p>
+        </p:txBody>
+      </p:sp>
+    </p:spTree>
+    <p:extLst>
+      <p:ext uri="{BB962C8B-B14F-4D97-AF65-F5344CB8AC3E}">
+        <p14:creationId xmlns:p14="http://schemas.microsoft.com/office/powerpoint/2010/main" val="3106796138"/>
+      </p:ext>
+    </p:extLst>
+  </p:cSld>
+  <p:clrMapOvr>
+    <a:masterClrMapping/>
+  </p:clrMapOvr>
+</p:notes>
+</file>
+
+<file path=ppt/notesSlides/notesSlide9.xml><?xml version="1.0" encoding="utf-8"?>
+<p:notes xmlns:a="http://schemas.openxmlformats.org/drawingml/2006/main" xmlns:r="http://schemas.openxmlformats.org/officeDocument/2006/relationships" xmlns:p="http://schemas.openxmlformats.org/presentationml/2006/main">
+  <p:cSld>
+    <p:spTree>
+      <p:nvGrpSpPr>
+        <p:cNvPr id="1" name=""/>
+        <p:cNvGrpSpPr/>
+        <p:nvPr/>
+      </p:nvGrpSpPr>
+      <p:grpSpPr>
+        <a:xfrm>
+          <a:off x="0" y="0"/>
+          <a:ext cx="0" cy="0"/>
+          <a:chOff x="0" y="0"/>
+          <a:chExt cx="0" cy="0"/>
+        </a:xfrm>
+      </p:grpSpPr>
+      <p:sp>
+        <p:nvSpPr>
+          <p:cNvPr id="2" name="Slide Image Placeholder 1"/>
+          <p:cNvSpPr>
+            <a:spLocks noGrp="1" noRot="1" noChangeAspect="1"/>
+          </p:cNvSpPr>
+          <p:nvPr>
+            <p:ph type="sldImg"/>
+          </p:nvPr>
+        </p:nvSpPr>
+        <p:spPr/>
+      </p:sp>
+      <p:sp>
+        <p:nvSpPr>
+          <p:cNvPr id="3" name="Notes Placeholder 2"/>
+          <p:cNvSpPr>
+            <a:spLocks noGrp="1"/>
+          </p:cNvSpPr>
+          <p:nvPr>
+            <p:ph type="body" idx="1"/>
+          </p:nvPr>
+        </p:nvSpPr>
+        <p:spPr/>
+        <p:txBody>
+          <a:bodyPr/>
+          <a:lstStyle/>
+          <a:p>
+            <a:endParaRPr lang="en-CA"/>
+          </a:p>
+        </p:txBody>
+      </p:sp>
+      <p:sp>
+        <p:nvSpPr>
+          <p:cNvPr id="4" name="Slide Number Placeholder 3"/>
+          <p:cNvSpPr>
+            <a:spLocks noGrp="1"/>
+          </p:cNvSpPr>
+          <p:nvPr>
+            <p:ph type="sldNum" sz="quarter" idx="5"/>
+          </p:nvPr>
+        </p:nvSpPr>
+        <p:spPr/>
+        <p:txBody>
+          <a:bodyPr/>
+          <a:lstStyle/>
+          <a:p>
+            <a:fld id="{74E5F7A9-63B9-4E24-B438-D1C829BA587E}" type="slidenum">
+              <a:rPr lang="en-AU" smtClean="0"/>
+              <a:t>9</a:t>
+            </a:fld>
+            <a:endParaRPr lang="en-AU"/>
+          </a:p>
+        </p:txBody>
+      </p:sp>
+    </p:spTree>
+    <p:extLst>
+      <p:ext uri="{BB962C8B-B14F-4D97-AF65-F5344CB8AC3E}">
+        <p14:creationId xmlns:p14="http://schemas.microsoft.com/office/powerpoint/2010/main" val="851026158"/>
       </p:ext>
     </p:extLst>
   </p:cSld>
@@ -2186,7 +3000,7 @@
           <a:p>
             <a:fld id="{F2F84CA5-C4BF-41EB-82C3-5D239818879E}" type="datetime1">
               <a:rPr lang="en-AU" smtClean="0"/>
-              <a:t>6/09/2022</a:t>
+              <a:t>7/09/2022</a:t>
             </a:fld>
             <a:endParaRPr lang="en-AU"/>
           </a:p>
@@ -2390,7 +3204,7 @@
           <a:p>
             <a:fld id="{73BE731D-3E9F-434C-835F-08BFF16C4B06}" type="datetime1">
               <a:rPr lang="en-AU" smtClean="0"/>
-              <a:t>6/09/2022</a:t>
+              <a:t>7/09/2022</a:t>
             </a:fld>
             <a:endParaRPr lang="en-AU"/>
           </a:p>
@@ -2604,7 +3418,7 @@
           <a:p>
             <a:fld id="{B56A9F33-50C1-49E7-B3D8-979A5BFF0E31}" type="datetime1">
               <a:rPr lang="en-AU" smtClean="0"/>
-              <a:t>6/09/2022</a:t>
+              <a:t>7/09/2022</a:t>
             </a:fld>
             <a:endParaRPr lang="en-AU"/>
           </a:p>
@@ -2808,7 +3622,7 @@
           <a:p>
             <a:fld id="{B4344617-2393-4F45-A848-12FCFDB15985}" type="datetime1">
               <a:rPr lang="en-AU" smtClean="0"/>
-              <a:t>6/09/2022</a:t>
+              <a:t>7/09/2022</a:t>
             </a:fld>
             <a:endParaRPr lang="en-AU"/>
           </a:p>
@@ -3088,7 +3902,7 @@
           <a:p>
             <a:fld id="{C63DB6EB-0A44-4551-A37E-C89C8233BCBF}" type="datetime1">
               <a:rPr lang="en-AU" smtClean="0"/>
-              <a:t>6/09/2022</a:t>
+              <a:t>7/09/2022</a:t>
             </a:fld>
             <a:endParaRPr lang="en-AU"/>
           </a:p>
@@ -3360,7 +4174,7 @@
           <a:p>
             <a:fld id="{AAA41971-2939-4365-90BC-B669740DAB45}" type="datetime1">
               <a:rPr lang="en-AU" smtClean="0"/>
-              <a:t>6/09/2022</a:t>
+              <a:t>7/09/2022</a:t>
             </a:fld>
             <a:endParaRPr lang="en-AU"/>
           </a:p>
@@ -3779,7 +4593,7 @@
           <a:p>
             <a:fld id="{F2B90813-9EE3-41DF-9F48-6F737FCE39B5}" type="datetime1">
               <a:rPr lang="en-AU" smtClean="0"/>
-              <a:t>6/09/2022</a:t>
+              <a:t>7/09/2022</a:t>
             </a:fld>
             <a:endParaRPr lang="en-AU"/>
           </a:p>
@@ -3925,7 +4739,7 @@
           <a:p>
             <a:fld id="{CCEB011C-8756-4E08-83A1-039B2567DF75}" type="datetime1">
               <a:rPr lang="en-AU" smtClean="0"/>
-              <a:t>6/09/2022</a:t>
+              <a:t>7/09/2022</a:t>
             </a:fld>
             <a:endParaRPr lang="en-AU"/>
           </a:p>
@@ -4042,7 +4856,7 @@
           <a:p>
             <a:fld id="{D37FDC13-BED2-4108-977A-477DD4DCCB1C}" type="datetime1">
               <a:rPr lang="en-AU" smtClean="0"/>
-              <a:t>6/09/2022</a:t>
+              <a:t>7/09/2022</a:t>
             </a:fld>
             <a:endParaRPr lang="en-AU"/>
           </a:p>
@@ -4359,7 +5173,7 @@
           <a:p>
             <a:fld id="{0D564968-F737-4611-B524-AC06DB38C3EA}" type="datetime1">
               <a:rPr lang="en-AU" smtClean="0"/>
-              <a:t>6/09/2022</a:t>
+              <a:t>7/09/2022</a:t>
             </a:fld>
             <a:endParaRPr lang="en-AU"/>
           </a:p>
@@ -4652,7 +5466,7 @@
           <a:p>
             <a:fld id="{2AA04788-1302-49D6-ADBC-10596C55F2F8}" type="datetime1">
               <a:rPr lang="en-AU" smtClean="0"/>
-              <a:t>6/09/2022</a:t>
+              <a:t>7/09/2022</a:t>
             </a:fld>
             <a:endParaRPr lang="en-AU"/>
           </a:p>
@@ -4899,7 +5713,7 @@
           <a:p>
             <a:fld id="{9632C296-5717-4D4C-BC58-45200E61BE7E}" type="datetime1">
               <a:rPr lang="en-AU" smtClean="0"/>
-              <a:t>6/09/2022</a:t>
+              <a:t>7/09/2022</a:t>
             </a:fld>
             <a:endParaRPr lang="en-AU"/>
           </a:p>
@@ -5842,7 +6656,7 @@
             </a:r>
             <a:r>
               <a:rPr lang="en-CA" dirty="0"/>
-              <a:t>… lots of useful built-in functions and libraries to do most common programming tasks. Plus thousands more on the web.</a:t>
+              <a:t>… lots of useful built-in functions do most common programming tasks. Plus thousands more on the web.</a:t>
             </a:r>
             <a:br>
               <a:rPr lang="en-CA" dirty="0"/>
@@ -5856,7 +6670,15 @@
             </a:pPr>
             <a:r>
               <a:rPr lang="en-AU" dirty="0"/>
-              <a:t>Programs might run more slowly than other languages, but the time it takes the programmer to write them is often much less.</a:t>
+              <a:t>Programs might run more slowly than other languages, but </a:t>
+            </a:r>
+            <a:r>
+              <a:rPr lang="en-AU" b="1" dirty="0"/>
+              <a:t>the time it takes the programmer</a:t>
+            </a:r>
+            <a:r>
+              <a:rPr lang="en-AU" dirty="0"/>
+              <a:t> to write them is often much less.</a:t>
             </a:r>
           </a:p>
           <a:p>
@@ -5954,7 +6776,7 @@
           <p:nvPr/>
         </p:nvPicPr>
         <p:blipFill>
-          <a:blip r:embed="rId2">
+          <a:blip r:embed="rId3">
             <a:extLst>
               <a:ext uri="{28A0092B-C50C-407E-A947-70E740481C1C}">
                 <a14:useLocalDpi xmlns:a14="http://schemas.microsoft.com/office/drawing/2010/main" val="0"/>
@@ -6586,7 +7408,7 @@
             </a:r>
             <a:r>
               <a:rPr lang="en-AU" dirty="0">
-                <a:hlinkClick r:id="rId2"/>
+                <a:hlinkClick r:id="rId3"/>
               </a:rPr>
               <a:t>https://codewith.mu/</a:t>
             </a:r>
@@ -6670,7 +7492,7 @@
           <p:nvPr/>
         </p:nvPicPr>
         <p:blipFill>
-          <a:blip r:embed="rId3">
+          <a:blip r:embed="rId4">
             <a:extLst>
               <a:ext uri="{28A0092B-C50C-407E-A947-70E740481C1C}">
                 <a14:useLocalDpi xmlns:a14="http://schemas.microsoft.com/office/drawing/2010/main" val="0"/>
@@ -7265,89 +8087,6 @@
   <p:clrMapOvr>
     <a:masterClrMapping/>
   </p:clrMapOvr>
-  <p:timing>
-    <p:tnLst>
-      <p:par>
-        <p:cTn id="1" dur="indefinite" restart="never" nodeType="tmRoot">
-          <p:childTnLst>
-            <p:seq concurrent="1" nextAc="seek">
-              <p:cTn id="2" dur="indefinite" nodeType="mainSeq">
-                <p:childTnLst>
-                  <p:par>
-                    <p:cTn id="3" fill="hold">
-                      <p:stCondLst>
-                        <p:cond delay="indefinite"/>
-                      </p:stCondLst>
-                      <p:childTnLst>
-                        <p:par>
-                          <p:cTn id="4" fill="hold">
-                            <p:stCondLst>
-                              <p:cond delay="0"/>
-                            </p:stCondLst>
-                            <p:childTnLst>
-                              <p:par>
-                                <p:cTn id="5" presetID="10" presetClass="entr" presetSubtype="0" fill="hold" nodeType="clickEffect">
-                                  <p:stCondLst>
-                                    <p:cond delay="0"/>
-                                  </p:stCondLst>
-                                  <p:childTnLst>
-                                    <p:set>
-                                      <p:cBhvr>
-                                        <p:cTn id="6" dur="1" fill="hold">
-                                          <p:stCondLst>
-                                            <p:cond delay="0"/>
-                                          </p:stCondLst>
-                                        </p:cTn>
-                                        <p:tgtEl>
-                                          <p:spTgt spid="20"/>
-                                        </p:tgtEl>
-                                        <p:attrNameLst>
-                                          <p:attrName>style.visibility</p:attrName>
-                                        </p:attrNameLst>
-                                      </p:cBhvr>
-                                      <p:to>
-                                        <p:strVal val="visible"/>
-                                      </p:to>
-                                    </p:set>
-                                    <p:animEffect transition="in" filter="fade">
-                                      <p:cBhvr>
-                                        <p:cTn id="7" dur="500"/>
-                                        <p:tgtEl>
-                                          <p:spTgt spid="20"/>
-                                        </p:tgtEl>
-                                      </p:cBhvr>
-                                    </p:animEffect>
-                                  </p:childTnLst>
-                                </p:cTn>
-                              </p:par>
-                            </p:childTnLst>
-                          </p:cTn>
-                        </p:par>
-                      </p:childTnLst>
-                    </p:cTn>
-                  </p:par>
-                </p:childTnLst>
-              </p:cTn>
-              <p:prevCondLst>
-                <p:cond evt="onPrev" delay="0">
-                  <p:tgtEl>
-                    <p:sldTgt/>
-                  </p:tgtEl>
-                </p:cond>
-              </p:prevCondLst>
-              <p:nextCondLst>
-                <p:cond evt="onNext" delay="0">
-                  <p:tgtEl>
-                    <p:sldTgt/>
-                  </p:tgtEl>
-                </p:cond>
-              </p:nextCondLst>
-            </p:seq>
-          </p:childTnLst>
-        </p:cTn>
-      </p:par>
-    </p:tnLst>
-  </p:timing>
 </p:sld>
 </file>
 
@@ -7527,7 +8266,7 @@
           <p:nvPr/>
         </p:nvPicPr>
         <p:blipFill rotWithShape="1">
-          <a:blip r:embed="rId2"/>
+          <a:blip r:embed="rId3"/>
           <a:srcRect t="7361"/>
           <a:stretch/>
         </p:blipFill>
@@ -7571,7 +8310,7 @@
           <a:p>
             <a:r>
               <a:rPr lang="en-CA" sz="1200" dirty="0">
-                <a:hlinkClick r:id="rId3"/>
+                <a:hlinkClick r:id="rId4"/>
               </a:rPr>
               <a:t>http://www.sfu.ca/students/calendar/2022/fall/courses/cmpt.html</a:t>
             </a:r>
@@ -7632,7 +8371,7 @@
           <a:p>
             <a:r>
               <a:rPr lang="en-CA" dirty="0"/>
-              <a:t>Welcome to CMPT 120</a:t>
+              <a:t>CMPT 120</a:t>
             </a:r>
             <a:endParaRPr lang="en-AU" dirty="0"/>
           </a:p>
@@ -9502,7 +10241,7 @@
           <p:nvPr/>
         </p:nvPicPr>
         <p:blipFill>
-          <a:blip r:embed="rId2"/>
+          <a:blip r:embed="rId3"/>
           <a:stretch>
             <a:fillRect/>
           </a:stretch>
@@ -9671,7 +10410,7 @@
           <p:nvPr/>
         </p:nvPicPr>
         <p:blipFill>
-          <a:blip r:embed="rId3">
+          <a:blip r:embed="rId4">
             <a:extLst>
               <a:ext uri="{28A0092B-C50C-407E-A947-70E740481C1C}">
                 <a14:useLocalDpi xmlns:a14="http://schemas.microsoft.com/office/drawing/2010/main" val="0"/>
@@ -10146,7 +10885,7 @@
             </a:pPr>
             <a:r>
               <a:rPr lang="en-CA" dirty="0"/>
-              <a:t>Is Python a popular in </a:t>
+              <a:t>Is Python popular in </a:t>
             </a:r>
             <a:r>
               <a:rPr lang="en-CA" b="1" dirty="0"/>
@@ -10182,7 +10921,7 @@
           <p:nvPr/>
         </p:nvPicPr>
         <p:blipFill rotWithShape="1">
-          <a:blip r:embed="rId2">
+          <a:blip r:embed="rId3">
             <a:extLst>
               <a:ext uri="{28A0092B-C50C-407E-A947-70E740481C1C}">
                 <a14:useLocalDpi xmlns:a14="http://schemas.microsoft.com/office/drawing/2010/main" val="0"/>
@@ -10526,7 +11265,7 @@
           <p:nvPr/>
         </p:nvPicPr>
         <p:blipFill>
-          <a:blip r:embed="rId3">
+          <a:blip r:embed="rId4">
             <a:extLst>
               <a:ext uri="{28A0092B-C50C-407E-A947-70E740481C1C}">
                 <a14:useLocalDpi xmlns:a14="http://schemas.microsoft.com/office/drawing/2010/main" val="0"/>
@@ -11047,7 +11786,7 @@
           <p:nvPr/>
         </p:nvPicPr>
         <p:blipFill>
-          <a:blip r:embed="rId2">
+          <a:blip r:embed="rId3">
             <a:extLst>
               <a:ext uri="{28A0092B-C50C-407E-A947-70E740481C1C}">
                 <a14:useLocalDpi xmlns:a14="http://schemas.microsoft.com/office/drawing/2010/main" val="0"/>
@@ -11375,7 +12114,7 @@
           <p:nvPr/>
         </p:nvPicPr>
         <p:blipFill rotWithShape="1">
-          <a:blip r:embed="rId2"/>
+          <a:blip r:embed="rId3"/>
           <a:srcRect l="5452"/>
           <a:stretch/>
         </p:blipFill>
@@ -11641,7 +12380,7 @@
           <p:nvPr/>
         </p:nvPicPr>
         <p:blipFill>
-          <a:blip r:embed="rId3">
+          <a:blip r:embed="rId4">
             <a:extLst>
               <a:ext uri="{28A0092B-C50C-407E-A947-70E740481C1C}">
                 <a14:useLocalDpi xmlns:a14="http://schemas.microsoft.com/office/drawing/2010/main" val="0"/>
